--- a/ppts/Week1f Basics of Python (basic_python).pptx
+++ b/ppts/Week1f Basics of Python (basic_python).pptx
@@ -243,7 +243,7 @@
             <a:fld id="{E9CA654E-EBD9-4CE9-AAD0-9BCA047E2E1D}" type="datetimeFigureOut">
               <a:rPr lang="ko-KR" altLang="en-US" smtClean="0"/>
               <a:pPr/>
-              <a:t>2016. 10. 8.</a:t>
+              <a:t>2017. 5. 20.</a:t>
             </a:fld>
             <a:endParaRPr lang="ko-KR" altLang="en-US"/>
           </a:p>
@@ -623,7 +623,7 @@
                 <a:ea typeface="Meiryo UI" pitchFamily="34" charset="-128"/>
               </a:rPr>
               <a:pPr/>
-              <a:t>Saturday, October 8, 2016</a:t>
+              <a:t>Saturday, May 20, 2017</a:t>
             </a:fld>
             <a:endParaRPr lang="ko-KR" altLang="en-US" dirty="0"/>
           </a:p>
@@ -755,7 +755,7 @@
             <a:fld id="{33A0F7CB-10CC-4FA0-AAB7-60557755851D}" type="datetime1">
               <a:rPr lang="ko-KR" altLang="en-US" smtClean="0"/>
               <a:pPr/>
-              <a:t>2016. 10. 8.</a:t>
+              <a:t>2017. 5. 20.</a:t>
             </a:fld>
             <a:endParaRPr lang="ko-KR" altLang="en-US"/>
           </a:p>
@@ -932,7 +932,7 @@
             <a:fld id="{2072E3B2-398D-43A2-9FF0-A5DC47D85F0F}" type="datetime1">
               <a:rPr lang="ko-KR" altLang="en-US" smtClean="0"/>
               <a:pPr/>
-              <a:t>2016. 10. 8.</a:t>
+              <a:t>2017. 5. 20.</a:t>
             </a:fld>
             <a:endParaRPr lang="ko-KR" altLang="en-US"/>
           </a:p>
@@ -1446,7 +1446,7 @@
             <a:fld id="{DAC76C8D-0C64-468D-9E07-BA112BE10A5A}" type="datetime1">
               <a:rPr lang="ko-KR" altLang="en-US" smtClean="0"/>
               <a:pPr/>
-              <a:t>2016. 10. 8.</a:t>
+              <a:t>2017. 5. 20.</a:t>
             </a:fld>
             <a:endParaRPr lang="ko-KR" altLang="en-US"/>
           </a:p>
@@ -1736,7 +1736,7 @@
             <a:fld id="{ABCA1450-90AE-4591-9DA4-2F2C0E29B421}" type="datetime1">
               <a:rPr lang="ko-KR" altLang="en-US" smtClean="0"/>
               <a:pPr/>
-              <a:t>2016. 10. 8.</a:t>
+              <a:t>2017. 5. 20.</a:t>
             </a:fld>
             <a:endParaRPr lang="ko-KR" altLang="en-US"/>
           </a:p>
@@ -2162,7 +2162,7 @@
             <a:fld id="{3170F9C2-910D-48E9-A1D4-06EE9E8CCF11}" type="datetime1">
               <a:rPr lang="ko-KR" altLang="en-US" smtClean="0"/>
               <a:pPr/>
-              <a:t>2016. 10. 8.</a:t>
+              <a:t>2017. 5. 20.</a:t>
             </a:fld>
             <a:endParaRPr lang="ko-KR" altLang="en-US"/>
           </a:p>
@@ -2449,7 +2449,7 @@
             <a:fld id="{0A2BF0E3-3B49-48EE-8E65-6F6B7B05A3E6}" type="datetime1">
               <a:rPr lang="ko-KR" altLang="en-US" smtClean="0"/>
               <a:pPr/>
-              <a:t>2016. 10. 8.</a:t>
+              <a:t>2017. 5. 20.</a:t>
             </a:fld>
             <a:endParaRPr lang="ko-KR" altLang="en-US"/>
           </a:p>
@@ -2723,7 +2723,7 @@
             <a:fld id="{D56EDD30-A8D5-4E8F-A388-D7F8914E7797}" type="datetime1">
               <a:rPr lang="ko-KR" altLang="en-US" smtClean="0"/>
               <a:pPr/>
-              <a:t>2016. 10. 8.</a:t>
+              <a:t>2017. 5. 20.</a:t>
             </a:fld>
             <a:endParaRPr lang="ko-KR" altLang="en-US"/>
           </a:p>
@@ -2973,7 +2973,7 @@
             <a:fld id="{BA001FBA-5EDF-4611-9FD5-552C72983771}" type="datetime1">
               <a:rPr lang="ko-KR" altLang="en-US" smtClean="0"/>
               <a:pPr/>
-              <a:t>2016. 10. 8.</a:t>
+              <a:t>2017. 5. 20.</a:t>
             </a:fld>
             <a:endParaRPr lang="ko-KR" altLang="en-US"/>
           </a:p>
@@ -3183,7 +3183,7 @@
             <a:fld id="{1E3DD4C6-1DC2-4462-9A2C-36CF4FD257E7}" type="datetime1">
               <a:rPr lang="ko-KR" altLang="en-US" smtClean="0"/>
               <a:pPr/>
-              <a:t>2016. 10. 8.</a:t>
+              <a:t>2017. 5. 20.</a:t>
             </a:fld>
             <a:endParaRPr lang="ko-KR" altLang="en-US"/>
           </a:p>
